--- a/Later/Spring_Later/20.1_SpringBoot_Basics/19/SpringBoot_CommandLineRunner_order.pptx
+++ b/Later/Spring_Later/20.1_SpringBoot_Basics/19/SpringBoot_CommandLineRunner_order.pptx
@@ -4322,7 +4322,7 @@
         </p:nvSpPr>
         <p:spPr>
           <a:xfrm>
-            <a:off x="307975" y="2057400"/>
+            <a:off x="155575" y="3124200"/>
             <a:ext cx="8607425" cy="1676400"/>
           </a:xfrm>
           <a:prstGeom prst="roundRect">
@@ -4434,7 +4434,7 @@
         </p:nvSpPr>
         <p:spPr>
           <a:xfrm>
-            <a:off x="3261224" y="1752600"/>
+            <a:off x="3108824" y="2819400"/>
             <a:ext cx="2758576" cy="276999"/>
           </a:xfrm>
           <a:prstGeom prst="rect">
@@ -4469,6 +4469,57 @@
             <a:r>
               <a:rPr lang="en-US" sz="1200" dirty="0" smtClean="0"/>
               <a:t>interface</a:t>
+            </a:r>
+            <a:endParaRPr lang="en-US" sz="1200" dirty="0"/>
+          </a:p>
+        </p:txBody>
+      </p:sp>
+      <p:sp>
+        <p:nvSpPr>
+          <p:cNvPr id="5" name="Rectangle 4"/>
+          <p:cNvSpPr/>
+          <p:nvPr/>
+        </p:nvSpPr>
+        <p:spPr>
+          <a:xfrm>
+            <a:off x="155575" y="1066800"/>
+            <a:ext cx="8836025" cy="461665"/>
+          </a:xfrm>
+          <a:prstGeom prst="rect">
+            <a:avLst/>
+          </a:prstGeom>
+        </p:spPr>
+        <p:style>
+          <a:lnRef idx="1">
+            <a:schemeClr val="accent2"/>
+          </a:lnRef>
+          <a:fillRef idx="3">
+            <a:schemeClr val="accent2"/>
+          </a:fillRef>
+          <a:effectRef idx="2">
+            <a:schemeClr val="accent2"/>
+          </a:effectRef>
+          <a:fontRef idx="minor">
+            <a:schemeClr val="lt1"/>
+          </a:fontRef>
+        </p:style>
+        <p:txBody>
+          <a:bodyPr wrap="square">
+            <a:spAutoFit/>
+          </a:bodyPr>
+          <a:lstStyle/>
+          <a:p>
+            <a:r>
+              <a:rPr lang="en-US" sz="1200" dirty="0"/>
+              <a:t>It is important to note that if any exceptions are thrown inside the run(String… </a:t>
+            </a:r>
+            <a:r>
+              <a:rPr lang="en-US" sz="1200" dirty="0" err="1"/>
+              <a:t>args</a:t>
+            </a:r>
+            <a:r>
+              <a:rPr lang="en-US" sz="1200" dirty="0"/>
+              <a:t>) method, this will cause the context to close and an application to shut down. So put risky code in try-catch block – ALWAYS.</a:t>
             </a:r>
             <a:endParaRPr lang="en-US" sz="1200" dirty="0"/>
           </a:p>
